--- a/tarifer_db_model.pptx
+++ b/tarifer_db_model.pptx
@@ -294,7 +294,7 @@
           <a:p>
             <a:fld id="{B4C71EC6-210F-42DE-9C53-41977AD35B3D}" type="datetimeFigureOut">
               <a:rPr lang="ru-RU" smtClean="0"/>
-              <a:t>20.06.2014</a:t>
+              <a:t>29.09.2014</a:t>
             </a:fld>
             <a:endParaRPr lang="ru-RU"/>
           </a:p>
@@ -459,7 +459,7 @@
           <a:p>
             <a:fld id="{B4C71EC6-210F-42DE-9C53-41977AD35B3D}" type="datetimeFigureOut">
               <a:rPr lang="ru-RU" smtClean="0"/>
-              <a:t>20.06.2014</a:t>
+              <a:t>29.09.2014</a:t>
             </a:fld>
             <a:endParaRPr lang="ru-RU"/>
           </a:p>
@@ -634,7 +634,7 @@
           <a:p>
             <a:fld id="{B4C71EC6-210F-42DE-9C53-41977AD35B3D}" type="datetimeFigureOut">
               <a:rPr lang="ru-RU" smtClean="0"/>
-              <a:t>20.06.2014</a:t>
+              <a:t>29.09.2014</a:t>
             </a:fld>
             <a:endParaRPr lang="ru-RU"/>
           </a:p>
@@ -799,7 +799,7 @@
           <a:p>
             <a:fld id="{B4C71EC6-210F-42DE-9C53-41977AD35B3D}" type="datetimeFigureOut">
               <a:rPr lang="ru-RU" smtClean="0"/>
-              <a:t>20.06.2014</a:t>
+              <a:t>29.09.2014</a:t>
             </a:fld>
             <a:endParaRPr lang="ru-RU"/>
           </a:p>
@@ -1040,7 +1040,7 @@
           <a:p>
             <a:fld id="{B4C71EC6-210F-42DE-9C53-41977AD35B3D}" type="datetimeFigureOut">
               <a:rPr lang="ru-RU" smtClean="0"/>
-              <a:t>20.06.2014</a:t>
+              <a:t>29.09.2014</a:t>
             </a:fld>
             <a:endParaRPr lang="ru-RU"/>
           </a:p>
@@ -1323,7 +1323,7 @@
           <a:p>
             <a:fld id="{B4C71EC6-210F-42DE-9C53-41977AD35B3D}" type="datetimeFigureOut">
               <a:rPr lang="ru-RU" smtClean="0"/>
-              <a:t>20.06.2014</a:t>
+              <a:t>29.09.2014</a:t>
             </a:fld>
             <a:endParaRPr lang="ru-RU"/>
           </a:p>
@@ -1740,7 +1740,7 @@
           <a:p>
             <a:fld id="{B4C71EC6-210F-42DE-9C53-41977AD35B3D}" type="datetimeFigureOut">
               <a:rPr lang="ru-RU" smtClean="0"/>
-              <a:t>20.06.2014</a:t>
+              <a:t>29.09.2014</a:t>
             </a:fld>
             <a:endParaRPr lang="ru-RU"/>
           </a:p>
@@ -1853,7 +1853,7 @@
           <a:p>
             <a:fld id="{B4C71EC6-210F-42DE-9C53-41977AD35B3D}" type="datetimeFigureOut">
               <a:rPr lang="ru-RU" smtClean="0"/>
-              <a:t>20.06.2014</a:t>
+              <a:t>29.09.2014</a:t>
             </a:fld>
             <a:endParaRPr lang="ru-RU"/>
           </a:p>
@@ -1943,7 +1943,7 @@
           <a:p>
             <a:fld id="{B4C71EC6-210F-42DE-9C53-41977AD35B3D}" type="datetimeFigureOut">
               <a:rPr lang="ru-RU" smtClean="0"/>
-              <a:t>20.06.2014</a:t>
+              <a:t>29.09.2014</a:t>
             </a:fld>
             <a:endParaRPr lang="ru-RU"/>
           </a:p>
@@ -2215,7 +2215,7 @@
           <a:p>
             <a:fld id="{B4C71EC6-210F-42DE-9C53-41977AD35B3D}" type="datetimeFigureOut">
               <a:rPr lang="ru-RU" smtClean="0"/>
-              <a:t>20.06.2014</a:t>
+              <a:t>29.09.2014</a:t>
             </a:fld>
             <a:endParaRPr lang="ru-RU"/>
           </a:p>
@@ -2463,7 +2463,7 @@
           <a:p>
             <a:fld id="{B4C71EC6-210F-42DE-9C53-41977AD35B3D}" type="datetimeFigureOut">
               <a:rPr lang="ru-RU" smtClean="0"/>
-              <a:t>20.06.2014</a:t>
+              <a:t>29.09.2014</a:t>
             </a:fld>
             <a:endParaRPr lang="ru-RU"/>
           </a:p>
@@ -2671,7 +2671,7 @@
           <a:p>
             <a:fld id="{B4C71EC6-210F-42DE-9C53-41977AD35B3D}" type="datetimeFigureOut">
               <a:rPr lang="ru-RU" smtClean="0"/>
-              <a:t>20.06.2014</a:t>
+              <a:t>29.09.2014</a:t>
             </a:fld>
             <a:endParaRPr lang="ru-RU"/>
           </a:p>
@@ -16310,11 +16310,7 @@
             </a:r>
             <a:r>
               <a:rPr lang="en-US" sz="1100"/>
-              <a:t>:onetime =&gt; [], :periodic </a:t>
-            </a:r>
-            <a:r>
-              <a:rPr lang="en-US" sz="1100"/>
-              <a:t>=&gt; </a:t>
+              <a:t>:onetime =&gt; [], :periodic =&gt; </a:t>
             </a:r>
             <a:r>
               <a:rPr lang="en-US" sz="1100" smtClean="0"/>
@@ -16342,11 +16338,7 @@
             </a:r>
             <a:r>
               <a:rPr lang="en-US" sz="1100"/>
-              <a:t>onetime</a:t>
-            </a:r>
-            <a:r>
-              <a:rPr lang="en-US" sz="1100"/>
-              <a:t>, </a:t>
+              <a:t>onetime, </a:t>
             </a:r>
             <a:r>
               <a:rPr lang="en-US" sz="1100" smtClean="0"/>
@@ -16410,11 +16402,7 @@
             </a:pPr>
             <a:r>
               <a:rPr lang="en-US" sz="1100"/>
-              <a:t>:window_condition =&gt; ‘’,  window_over =&gt; ‘’, :group_by =&gt; ‘’, :stat_condition =&gt; ‘’, :method </a:t>
-            </a:r>
-            <a:r>
-              <a:rPr lang="en-US" sz="1100"/>
-              <a:t>=&gt; </a:t>
+              <a:t>:window_condition =&gt; ‘’,  window_over =&gt; ‘’, :group_by =&gt; ‘’, :stat_condition =&gt; ‘’, :method =&gt; </a:t>
             </a:r>
             <a:r>
               <a:rPr lang="en-US" sz="1100" smtClean="0"/>
@@ -16526,11 +16514,7 @@
             </a:r>
             <a:r>
               <a:rPr lang="en-US" sz="1100"/>
-              <a:t>onetime, periodic, calls, sms</a:t>
-            </a:r>
-            <a:r>
-              <a:rPr lang="en-US" sz="1100"/>
-              <a:t>, </a:t>
+              <a:t>onetime, periodic, calls, sms, </a:t>
             </a:r>
             <a:r>
               <a:rPr lang="en-US" sz="1100" smtClean="0"/>
@@ -16655,11 +16639,7 @@
             </a:pPr>
             <a:r>
               <a:rPr lang="ru-RU" sz="1100"/>
-              <a:t>По умолчанию </a:t>
-            </a:r>
-            <a:r>
-              <a:rPr lang="ru-RU" sz="1100"/>
-              <a:t>= </a:t>
+              <a:t>По умолчанию = </a:t>
             </a:r>
             <a:r>
               <a:rPr lang="en-US" sz="1100" smtClean="0"/>
@@ -16702,11 +16682,7 @@
             </a:pPr>
             <a:r>
               <a:rPr lang="ru-RU" sz="1100"/>
-              <a:t>По умолчанию </a:t>
-            </a:r>
-            <a:r>
-              <a:rPr lang="ru-RU" sz="1100"/>
-              <a:t>= </a:t>
+              <a:t>По умолчанию = </a:t>
             </a:r>
             <a:r>
               <a:rPr lang="en-US" sz="1100" smtClean="0"/>
@@ -17509,11 +17485,7 @@
             </a:r>
             <a:r>
               <a:rPr lang="ru-RU" sz="1200"/>
-              <a:t>забывать следить за приоритетом категорий основного тарифа </a:t>
-            </a:r>
-            <a:r>
-              <a:rPr lang="ru-RU" sz="1200"/>
-              <a:t>который </a:t>
+              <a:t>забывать следить за приоритетом категорий основного тарифа который </a:t>
             </a:r>
             <a:r>
               <a:rPr lang="ru-RU" sz="1200" smtClean="0"/>
@@ -17521,11 +17493,7 @@
             </a:r>
             <a:r>
               <a:rPr lang="ru-RU" sz="1200"/>
-              <a:t>ниже, или не пересекаться </a:t>
-            </a:r>
-            <a:r>
-              <a:rPr lang="ru-RU" sz="1200"/>
-              <a:t>с </a:t>
+              <a:t>ниже, или не пересекаться с </a:t>
             </a:r>
             <a:r>
               <a:rPr lang="ru-RU" sz="1200" smtClean="0"/>
@@ -17555,8 +17523,20 @@
             </a:r>
             <a:r>
               <a:rPr lang="ru-RU" sz="1200" smtClean="0"/>
-              <a:t> в задании самого тарифа</a:t>
-            </a:r>
+              <a:t> в задании самого </a:t>
+            </a:r>
+            <a:r>
+              <a:rPr lang="ru-RU" sz="1200" smtClean="0"/>
+              <a:t>тарифа</a:t>
+            </a:r>
+            <a:endParaRPr lang="en-US" sz="1200" smtClean="0"/>
+          </a:p>
+          <a:p>
+            <a:pPr marL="685800" lvl="1" indent="-228600">
+              <a:buFont typeface="+mj-lt"/>
+              <a:buAutoNum type="arabicPeriod"/>
+            </a:pPr>
+            <a:endParaRPr lang="ru-RU" sz="1200" smtClean="0"/>
           </a:p>
           <a:p>
             <a:pPr marL="228600" indent="-228600">
@@ -17569,11 +17549,7 @@
             </a:r>
             <a:r>
               <a:rPr lang="en-US" sz="1200"/>
-              <a:t>PriceFormulas.formula{:tarif_condition =&gt; </a:t>
-            </a:r>
-            <a:r>
-              <a:rPr lang="en-US" sz="1200"/>
-              <a:t>true</a:t>
+              <a:t>PriceFormulas.formula{:tarif_condition =&gt; true</a:t>
             </a:r>
             <a:r>
               <a:rPr lang="en-US" sz="1200" smtClean="0"/>
@@ -17605,11 +17581,7 @@
             </a:r>
             <a:r>
               <a:rPr lang="ru-RU" sz="1200"/>
-              <a:t>тариф на междугородние и международные звонки при путешествии по России - как в собственном регионе - не забывать добавлять в </a:t>
-            </a:r>
-            <a:r>
-              <a:rPr lang="ru-RU" sz="1200"/>
-              <a:t>тарифах</a:t>
+              <a:t>тариф на междугородние и международные звонки при путешествии по России - как в собственном регионе - не забывать добавлять в тарифах</a:t>
             </a:r>
             <a:r>
               <a:rPr lang="ru-RU" sz="1200" smtClean="0"/>
@@ -17627,11 +17599,7 @@
             </a:r>
             <a:r>
               <a:rPr lang="ru-RU" sz="1200"/>
-              <a:t>этом звонки на МТС - по тарифу </a:t>
-            </a:r>
-            <a:r>
-              <a:rPr lang="ru-RU" sz="1200"/>
-              <a:t>для </a:t>
+              <a:t>этом звонки на МТС - по тарифу для </a:t>
             </a:r>
             <a:r>
               <a:rPr lang="ru-RU" sz="1200" smtClean="0"/>

--- a/tarifer_db_model.pptx
+++ b/tarifer_db_model.pptx
@@ -17523,11 +17523,7 @@
             </a:r>
             <a:r>
               <a:rPr lang="ru-RU" sz="1200" smtClean="0"/>
-              <a:t> в задании самого </a:t>
-            </a:r>
-            <a:r>
-              <a:rPr lang="ru-RU" sz="1200" smtClean="0"/>
-              <a:t>тарифа</a:t>
+              <a:t> в задании самого тарифа</a:t>
             </a:r>
             <a:endParaRPr lang="en-US" sz="1200" smtClean="0"/>
           </a:p>
@@ -17536,6 +17532,22 @@
               <a:buFont typeface="+mj-lt"/>
               <a:buAutoNum type="arabicPeriod"/>
             </a:pPr>
+            <a:r>
+              <a:rPr lang="ru-RU" sz="1200" smtClean="0"/>
+              <a:t>При создании </a:t>
+            </a:r>
+            <a:r>
+              <a:rPr lang="ru-RU" sz="1200" smtClean="0"/>
+              <a:t>сервисов от которых зависят другие в них нужно указывать стандартное описание и задать </a:t>
+            </a:r>
+            <a:r>
+              <a:rPr lang="en-US" sz="1200" smtClean="0"/>
+              <a:t>parts </a:t>
+            </a:r>
+            <a:r>
+              <a:rPr lang="ru-RU" sz="1200" smtClean="0"/>
+              <a:t>через категории в которых сервисы действуют. Цены при этом указывать не надо. Фиксированные и одноразовые добавлять не надо. </a:t>
+            </a:r>
             <a:endParaRPr lang="ru-RU" sz="1200" smtClean="0"/>
           </a:p>
           <a:p>

--- a/tarifer_db_model.pptx
+++ b/tarifer_db_model.pptx
@@ -294,7 +294,7 @@
           <a:p>
             <a:fld id="{B4C71EC6-210F-42DE-9C53-41977AD35B3D}" type="datetimeFigureOut">
               <a:rPr lang="ru-RU" smtClean="0"/>
-              <a:t>29.09.2014</a:t>
+              <a:t>01.10.2014</a:t>
             </a:fld>
             <a:endParaRPr lang="ru-RU"/>
           </a:p>
@@ -459,7 +459,7 @@
           <a:p>
             <a:fld id="{B4C71EC6-210F-42DE-9C53-41977AD35B3D}" type="datetimeFigureOut">
               <a:rPr lang="ru-RU" smtClean="0"/>
-              <a:t>29.09.2014</a:t>
+              <a:t>01.10.2014</a:t>
             </a:fld>
             <a:endParaRPr lang="ru-RU"/>
           </a:p>
@@ -634,7 +634,7 @@
           <a:p>
             <a:fld id="{B4C71EC6-210F-42DE-9C53-41977AD35B3D}" type="datetimeFigureOut">
               <a:rPr lang="ru-RU" smtClean="0"/>
-              <a:t>29.09.2014</a:t>
+              <a:t>01.10.2014</a:t>
             </a:fld>
             <a:endParaRPr lang="ru-RU"/>
           </a:p>
@@ -799,7 +799,7 @@
           <a:p>
             <a:fld id="{B4C71EC6-210F-42DE-9C53-41977AD35B3D}" type="datetimeFigureOut">
               <a:rPr lang="ru-RU" smtClean="0"/>
-              <a:t>29.09.2014</a:t>
+              <a:t>01.10.2014</a:t>
             </a:fld>
             <a:endParaRPr lang="ru-RU"/>
           </a:p>
@@ -1040,7 +1040,7 @@
           <a:p>
             <a:fld id="{B4C71EC6-210F-42DE-9C53-41977AD35B3D}" type="datetimeFigureOut">
               <a:rPr lang="ru-RU" smtClean="0"/>
-              <a:t>29.09.2014</a:t>
+              <a:t>01.10.2014</a:t>
             </a:fld>
             <a:endParaRPr lang="ru-RU"/>
           </a:p>
@@ -1323,7 +1323,7 @@
           <a:p>
             <a:fld id="{B4C71EC6-210F-42DE-9C53-41977AD35B3D}" type="datetimeFigureOut">
               <a:rPr lang="ru-RU" smtClean="0"/>
-              <a:t>29.09.2014</a:t>
+              <a:t>01.10.2014</a:t>
             </a:fld>
             <a:endParaRPr lang="ru-RU"/>
           </a:p>
@@ -1740,7 +1740,7 @@
           <a:p>
             <a:fld id="{B4C71EC6-210F-42DE-9C53-41977AD35B3D}" type="datetimeFigureOut">
               <a:rPr lang="ru-RU" smtClean="0"/>
-              <a:t>29.09.2014</a:t>
+              <a:t>01.10.2014</a:t>
             </a:fld>
             <a:endParaRPr lang="ru-RU"/>
           </a:p>
@@ -1853,7 +1853,7 @@
           <a:p>
             <a:fld id="{B4C71EC6-210F-42DE-9C53-41977AD35B3D}" type="datetimeFigureOut">
               <a:rPr lang="ru-RU" smtClean="0"/>
-              <a:t>29.09.2014</a:t>
+              <a:t>01.10.2014</a:t>
             </a:fld>
             <a:endParaRPr lang="ru-RU"/>
           </a:p>
@@ -1943,7 +1943,7 @@
           <a:p>
             <a:fld id="{B4C71EC6-210F-42DE-9C53-41977AD35B3D}" type="datetimeFigureOut">
               <a:rPr lang="ru-RU" smtClean="0"/>
-              <a:t>29.09.2014</a:t>
+              <a:t>01.10.2014</a:t>
             </a:fld>
             <a:endParaRPr lang="ru-RU"/>
           </a:p>
@@ -2215,7 +2215,7 @@
           <a:p>
             <a:fld id="{B4C71EC6-210F-42DE-9C53-41977AD35B3D}" type="datetimeFigureOut">
               <a:rPr lang="ru-RU" smtClean="0"/>
-              <a:t>29.09.2014</a:t>
+              <a:t>01.10.2014</a:t>
             </a:fld>
             <a:endParaRPr lang="ru-RU"/>
           </a:p>
@@ -2463,7 +2463,7 @@
           <a:p>
             <a:fld id="{B4C71EC6-210F-42DE-9C53-41977AD35B3D}" type="datetimeFigureOut">
               <a:rPr lang="ru-RU" smtClean="0"/>
-              <a:t>29.09.2014</a:t>
+              <a:t>01.10.2014</a:t>
             </a:fld>
             <a:endParaRPr lang="ru-RU"/>
           </a:p>
@@ -2671,7 +2671,7 @@
           <a:p>
             <a:fld id="{B4C71EC6-210F-42DE-9C53-41977AD35B3D}" type="datetimeFigureOut">
               <a:rPr lang="ru-RU" smtClean="0"/>
-              <a:t>29.09.2014</a:t>
+              <a:t>01.10.2014</a:t>
             </a:fld>
             <a:endParaRPr lang="ru-RU"/>
           </a:p>
@@ -16974,6 +16974,11 @@
               <a:rPr lang="ru-RU" sz="1100" smtClean="0"/>
               <a:t>Тарифные опции с лимитами, которые считаются после тарифов </a:t>
             </a:r>
+            <a:r>
+              <a:rPr lang="ru-RU" sz="1100" smtClean="0"/>
+              <a:t>(неправильно,  сделал все опции безлимитными)</a:t>
+            </a:r>
+            <a:endParaRPr lang="ru-RU" sz="1100" smtClean="0"/>
           </a:p>
           <a:p>
             <a:pPr marL="685800" lvl="2" indent="-228600">
@@ -17534,11 +17539,7 @@
             </a:pPr>
             <a:r>
               <a:rPr lang="ru-RU" sz="1200" smtClean="0"/>
-              <a:t>При создании </a:t>
-            </a:r>
-            <a:r>
-              <a:rPr lang="ru-RU" sz="1200" smtClean="0"/>
-              <a:t>сервисов от которых зависят другие в них нужно указывать стандартное описание и задать </a:t>
+              <a:t>При создании сервисов от которых зависят другие в них нужно указывать стандартное описание и задать </a:t>
             </a:r>
             <a:r>
               <a:rPr lang="en-US" sz="1200" smtClean="0"/>
@@ -17548,7 +17549,6 @@
               <a:rPr lang="ru-RU" sz="1200" smtClean="0"/>
               <a:t>через категории в которых сервисы действуют. Цены при этом указывать не надо. Фиксированные и одноразовые добавлять не надо. </a:t>
             </a:r>
-            <a:endParaRPr lang="ru-RU" sz="1200" smtClean="0"/>
           </a:p>
           <a:p>
             <a:pPr marL="228600" indent="-228600">

--- a/tarifer_db_model.pptx
+++ b/tarifer_db_model.pptx
@@ -294,7 +294,7 @@
           <a:p>
             <a:fld id="{B4C71EC6-210F-42DE-9C53-41977AD35B3D}" type="datetimeFigureOut">
               <a:rPr lang="ru-RU" smtClean="0"/>
-              <a:t>01.10.2014</a:t>
+              <a:t>02.10.2014</a:t>
             </a:fld>
             <a:endParaRPr lang="ru-RU"/>
           </a:p>
@@ -459,7 +459,7 @@
           <a:p>
             <a:fld id="{B4C71EC6-210F-42DE-9C53-41977AD35B3D}" type="datetimeFigureOut">
               <a:rPr lang="ru-RU" smtClean="0"/>
-              <a:t>01.10.2014</a:t>
+              <a:t>02.10.2014</a:t>
             </a:fld>
             <a:endParaRPr lang="ru-RU"/>
           </a:p>
@@ -634,7 +634,7 @@
           <a:p>
             <a:fld id="{B4C71EC6-210F-42DE-9C53-41977AD35B3D}" type="datetimeFigureOut">
               <a:rPr lang="ru-RU" smtClean="0"/>
-              <a:t>01.10.2014</a:t>
+              <a:t>02.10.2014</a:t>
             </a:fld>
             <a:endParaRPr lang="ru-RU"/>
           </a:p>
@@ -799,7 +799,7 @@
           <a:p>
             <a:fld id="{B4C71EC6-210F-42DE-9C53-41977AD35B3D}" type="datetimeFigureOut">
               <a:rPr lang="ru-RU" smtClean="0"/>
-              <a:t>01.10.2014</a:t>
+              <a:t>02.10.2014</a:t>
             </a:fld>
             <a:endParaRPr lang="ru-RU"/>
           </a:p>
@@ -1040,7 +1040,7 @@
           <a:p>
             <a:fld id="{B4C71EC6-210F-42DE-9C53-41977AD35B3D}" type="datetimeFigureOut">
               <a:rPr lang="ru-RU" smtClean="0"/>
-              <a:t>01.10.2014</a:t>
+              <a:t>02.10.2014</a:t>
             </a:fld>
             <a:endParaRPr lang="ru-RU"/>
           </a:p>
@@ -1323,7 +1323,7 @@
           <a:p>
             <a:fld id="{B4C71EC6-210F-42DE-9C53-41977AD35B3D}" type="datetimeFigureOut">
               <a:rPr lang="ru-RU" smtClean="0"/>
-              <a:t>01.10.2014</a:t>
+              <a:t>02.10.2014</a:t>
             </a:fld>
             <a:endParaRPr lang="ru-RU"/>
           </a:p>
@@ -1740,7 +1740,7 @@
           <a:p>
             <a:fld id="{B4C71EC6-210F-42DE-9C53-41977AD35B3D}" type="datetimeFigureOut">
               <a:rPr lang="ru-RU" smtClean="0"/>
-              <a:t>01.10.2014</a:t>
+              <a:t>02.10.2014</a:t>
             </a:fld>
             <a:endParaRPr lang="ru-RU"/>
           </a:p>
@@ -1853,7 +1853,7 @@
           <a:p>
             <a:fld id="{B4C71EC6-210F-42DE-9C53-41977AD35B3D}" type="datetimeFigureOut">
               <a:rPr lang="ru-RU" smtClean="0"/>
-              <a:t>01.10.2014</a:t>
+              <a:t>02.10.2014</a:t>
             </a:fld>
             <a:endParaRPr lang="ru-RU"/>
           </a:p>
@@ -1943,7 +1943,7 @@
           <a:p>
             <a:fld id="{B4C71EC6-210F-42DE-9C53-41977AD35B3D}" type="datetimeFigureOut">
               <a:rPr lang="ru-RU" smtClean="0"/>
-              <a:t>01.10.2014</a:t>
+              <a:t>02.10.2014</a:t>
             </a:fld>
             <a:endParaRPr lang="ru-RU"/>
           </a:p>
@@ -2215,7 +2215,7 @@
           <a:p>
             <a:fld id="{B4C71EC6-210F-42DE-9C53-41977AD35B3D}" type="datetimeFigureOut">
               <a:rPr lang="ru-RU" smtClean="0"/>
-              <a:t>01.10.2014</a:t>
+              <a:t>02.10.2014</a:t>
             </a:fld>
             <a:endParaRPr lang="ru-RU"/>
           </a:p>
@@ -2463,7 +2463,7 @@
           <a:p>
             <a:fld id="{B4C71EC6-210F-42DE-9C53-41977AD35B3D}" type="datetimeFigureOut">
               <a:rPr lang="ru-RU" smtClean="0"/>
-              <a:t>01.10.2014</a:t>
+              <a:t>02.10.2014</a:t>
             </a:fld>
             <a:endParaRPr lang="ru-RU"/>
           </a:p>
@@ -2671,7 +2671,7 @@
           <a:p>
             <a:fld id="{B4C71EC6-210F-42DE-9C53-41977AD35B3D}" type="datetimeFigureOut">
               <a:rPr lang="ru-RU" smtClean="0"/>
-              <a:t>01.10.2014</a:t>
+              <a:t>02.10.2014</a:t>
             </a:fld>
             <a:endParaRPr lang="ru-RU"/>
           </a:p>
@@ -16898,9 +16898,12 @@
             </a:r>
             <a:r>
               <a:rPr lang="ru-RU" sz="1100" smtClean="0"/>
-              <a:t>может быть не совместим с другими сервисами – которые вместе образуют группу несовместимости </a:t>
-            </a:r>
-            <a:endParaRPr lang="en-US" sz="1100" smtClean="0"/>
+              <a:t>может быть не совместим с другими сервисами – которые вместе образуют группу </a:t>
+            </a:r>
+            <a:r>
+              <a:rPr lang="ru-RU" sz="1100" smtClean="0"/>
+              <a:t>несовместимости. </a:t>
+            </a:r>
           </a:p>
           <a:p>
             <a:pPr marL="228600" lvl="1" indent="-228600">
@@ -16908,13 +16911,10 @@
               <a:buAutoNum type="arabicPeriod"/>
             </a:pPr>
             <a:r>
-              <a:rPr lang="ru-RU" sz="1100"/>
-              <a:t>Сервис </a:t>
-            </a:r>
-            <a:r>
               <a:rPr lang="ru-RU" sz="1100" smtClean="0"/>
-              <a:t>может иметь более высокий приоритет или более низкий приоритет, если подключены одновременно.</a:t>
-            </a:r>
+              <a:t>Сервис можеть входить в разные группы несовместимости (где сервисы из разных групп могут быть  совместимы)</a:t>
+            </a:r>
+            <a:endParaRPr lang="en-US" sz="1100" smtClean="0"/>
           </a:p>
           <a:p>
             <a:pPr marL="228600" lvl="1" indent="-228600">
@@ -16922,6 +16922,20 @@
               <a:buAutoNum type="arabicPeriod"/>
             </a:pPr>
             <a:r>
+              <a:rPr lang="ru-RU" sz="1100"/>
+              <a:t>Сервис </a:t>
+            </a:r>
+            <a:r>
+              <a:rPr lang="ru-RU" sz="1100" smtClean="0"/>
+              <a:t>может иметь более высокий приоритет или более низкий приоритет, если подключены одновременно.</a:t>
+            </a:r>
+          </a:p>
+          <a:p>
+            <a:pPr marL="228600" lvl="1" indent="-228600">
+              <a:buFont typeface="+mj-lt"/>
+              <a:buAutoNum type="arabicPeriod"/>
+            </a:pPr>
+            <a:r>
               <a:rPr lang="ru-RU" sz="1100" smtClean="0"/>
               <a:t>Сервисы имеют один из общих приоритетов</a:t>
             </a:r>
@@ -16972,13 +16986,8 @@
             </a:pPr>
             <a:r>
               <a:rPr lang="ru-RU" sz="1100" smtClean="0"/>
-              <a:t>Тарифные опции с лимитами, которые считаются после тарифов </a:t>
-            </a:r>
-            <a:r>
-              <a:rPr lang="ru-RU" sz="1100" smtClean="0"/>
-              <a:t>(неправильно,  сделал все опции безлимитными)</a:t>
-            </a:r>
-            <a:endParaRPr lang="ru-RU" sz="1100" smtClean="0"/>
+              <a:t>Тарифные опции с лимитами, которые считаются после тарифов (неправильно,  сделал все опции безлимитными)</a:t>
+            </a:r>
           </a:p>
           <a:p>
             <a:pPr marL="685800" lvl="2" indent="-228600">
@@ -17030,8 +17039,34 @@
             </a:pPr>
             <a:r>
               <a:rPr lang="ru-RU" sz="1100" smtClean="0"/>
-              <a:t>Сервис может использоваться только однократно или многократно</a:t>
-            </a:r>
+              <a:t>Сервис может использоваться только однократно или </a:t>
+            </a:r>
+            <a:r>
+              <a:rPr lang="ru-RU" sz="1100" smtClean="0"/>
+              <a:t>многократно</a:t>
+            </a:r>
+            <a:endParaRPr lang="en-US" sz="1100" smtClean="0"/>
+          </a:p>
+          <a:p>
+            <a:pPr marL="228600" lvl="1" indent="-228600">
+              <a:buFont typeface="+mj-lt"/>
+              <a:buAutoNum type="arabicPeriod"/>
+            </a:pPr>
+            <a:r>
+              <a:rPr lang="en-US" sz="1100" smtClean="0"/>
+              <a:t>Common_services </a:t>
+            </a:r>
+            <a:r>
+              <a:rPr lang="ru-RU" sz="1100" smtClean="0"/>
+              <a:t>можно ограничивать для определенных тарифов</a:t>
+            </a:r>
+          </a:p>
+          <a:p>
+            <a:pPr marL="228600" lvl="1" indent="-228600">
+              <a:buFont typeface="+mj-lt"/>
+              <a:buAutoNum type="arabicPeriod"/>
+            </a:pPr>
+            <a:endParaRPr lang="ru-RU" sz="1100" smtClean="0"/>
           </a:p>
           <a:p>
             <a:pPr marL="228600" lvl="1" indent="-228600">
